--- a/doc/dis/EnablingStreamingDA/Enabling ontology-based Streaming Data Access.pptx
+++ b/doc/dis/EnablingStreamingDA/Enabling ontology-based Streaming Data Access.pptx
@@ -1255,7 +1255,7 @@
               <a:pPr>
                 <a:defRPr/>
               </a:pPr>
-              <a:t>19/10/2010</a:t>
+              <a:t>20/10/2010</a:t>
             </a:fld>
             <a:endParaRPr lang="es-ES"/>
           </a:p>
@@ -5830,11 +5830,6 @@
               </a:rPr>
               <a:t>RDF-Stream</a:t>
             </a:r>
-            <a:endParaRPr lang="en-GB" sz="1800" kern="0" dirty="0" smtClean="0">
-              <a:solidFill>
-                <a:srgbClr val="4D4D4D"/>
-              </a:solidFill>
-            </a:endParaRPr>
           </a:p>
         </p:txBody>
       </p:sp>
@@ -6046,10 +6041,6 @@
               </a:rPr>
               <a:t>  ),</a:t>
             </a:r>
-            <a:endParaRPr lang="en-GB" sz="1400" dirty="0" smtClean="0">
-              <a:latin typeface="Arial" pitchFamily="34" charset="0"/>
-              <a:cs typeface="Arial" pitchFamily="34" charset="0"/>
-            </a:endParaRPr>
           </a:p>
           <a:p>
             <a:r>
@@ -6057,14 +6048,7 @@
                 <a:latin typeface="Arial" pitchFamily="34" charset="0"/>
                 <a:cs typeface="Arial" pitchFamily="34" charset="0"/>
               </a:rPr>
-              <a:t>( &lt;</a:t>
-            </a:r>
-            <a:r>
-              <a:rPr lang="en-GB" sz="1400" dirty="0" smtClean="0">
-                <a:latin typeface="Arial" pitchFamily="34" charset="0"/>
-                <a:cs typeface="Arial" pitchFamily="34" charset="0"/>
-              </a:rPr>
-              <a:t>s</a:t>
+              <a:t>( &lt;s</a:t>
             </a:r>
             <a:r>
               <a:rPr lang="en-GB" sz="1400" baseline="-25000" dirty="0" smtClean="0">
@@ -6145,10 +6129,6 @@
               </a:rPr>
               <a:t>),</a:t>
             </a:r>
-            <a:endParaRPr lang="en-GB" sz="1400" dirty="0" smtClean="0">
-              <a:latin typeface="Arial" pitchFamily="34" charset="0"/>
-              <a:cs typeface="Arial" pitchFamily="34" charset="0"/>
-            </a:endParaRPr>
           </a:p>
           <a:p>
             <a:r>
@@ -6167,10 +6147,6 @@
               </a:rPr>
               <a:t>...</a:t>
             </a:r>
-            <a:endParaRPr lang="en-GB" sz="1400" dirty="0" smtClean="0">
-              <a:latin typeface="Arial" pitchFamily="34" charset="0"/>
-              <a:cs typeface="Arial" pitchFamily="34" charset="0"/>
-            </a:endParaRPr>
           </a:p>
         </p:txBody>
       </p:sp>
@@ -6209,347 +6185,7 @@
             </a:pPr>
             <a:r>
               <a:rPr lang="en-GB" dirty="0" smtClean="0"/>
-              <a:t>“provide me with the wind speed observations </a:t>
-            </a:r>
-            <a:r>
-              <a:rPr lang="en-GB" dirty="0" smtClean="0"/>
-              <a:t>over </a:t>
-            </a:r>
-            <a:r>
-              <a:rPr lang="en-GB" dirty="0" smtClean="0"/>
-              <a:t>the last </a:t>
-            </a:r>
-            <a:r>
-              <a:rPr lang="en-GB" dirty="0" smtClean="0"/>
-              <a:t>minute in the Solent Region ” </a:t>
-            </a:r>
-            <a:endParaRPr lang="en-GB" dirty="0" smtClean="0"/>
-          </a:p>
-        </p:txBody>
-      </p:sp>
-      <p:sp>
-        <p:nvSpPr>
-          <p:cNvPr id="10" name="9 CuadroTexto"/>
-          <p:cNvSpPr txBox="1"/>
-          <p:nvPr/>
-        </p:nvSpPr>
-        <p:spPr>
-          <a:xfrm>
-            <a:off x="7143768" y="3857628"/>
-            <a:ext cx="4643470" cy="2862322"/>
-          </a:xfrm>
-          <a:prstGeom prst="rect">
-            <a:avLst/>
-          </a:prstGeom>
-          <a:noFill/>
-        </p:spPr>
-        <p:txBody>
-          <a:bodyPr wrap="square" rtlCol="0">
-            <a:spAutoFit/>
-          </a:bodyPr>
-          <a:lstStyle/>
-          <a:p>
-            <a:r>
-              <a:rPr lang="en-GB" sz="1000" dirty="0" smtClean="0"/>
-              <a:t>PREFIX </a:t>
-            </a:r>
-            <a:r>
-              <a:rPr lang="en-GB" sz="1000" u="sng" dirty="0" err="1" smtClean="0"/>
-              <a:t>cd</a:t>
-            </a:r>
-            <a:r>
-              <a:rPr lang="en-GB" sz="1000" u="sng" dirty="0" smtClean="0"/>
-              <a:t>: &lt;http://www.semsorgrid4env.eu/ontologies/CoastalDefences.owl#&gt;</a:t>
-            </a:r>
-          </a:p>
-          <a:p>
-            <a:r>
-              <a:rPr lang="en-GB" sz="1000" dirty="0" smtClean="0"/>
-              <a:t>PREFIX </a:t>
-            </a:r>
-            <a:r>
-              <a:rPr lang="en-GB" sz="1000" u="sng" dirty="0" err="1" smtClean="0"/>
-              <a:t>sb</a:t>
-            </a:r>
-            <a:r>
-              <a:rPr lang="en-GB" sz="1000" u="sng" dirty="0" smtClean="0"/>
-              <a:t>: &lt;http://www.w3.org/2009/SSN-XG/Ontologies/SensorBasis.owl#&gt; </a:t>
-            </a:r>
-          </a:p>
-          <a:p>
-            <a:r>
-              <a:rPr lang="en-GB" sz="1000" dirty="0" smtClean="0"/>
-              <a:t>PREFIX </a:t>
-            </a:r>
-            <a:r>
-              <a:rPr lang="en-GB" sz="1000" u="sng" dirty="0" err="1" smtClean="0"/>
-              <a:t>rdf</a:t>
-            </a:r>
-            <a:r>
-              <a:rPr lang="en-GB" sz="1000" u="sng" dirty="0" smtClean="0"/>
-              <a:t>: &lt;http://www.w3.org/1999/02/22-rdf-syntax-ns#&gt; </a:t>
-            </a:r>
-          </a:p>
-          <a:p>
-            <a:r>
-              <a:rPr lang="en-US" sz="1000" dirty="0" smtClean="0"/>
-              <a:t>SELECT  ?</a:t>
-            </a:r>
-            <a:r>
-              <a:rPr lang="en-US" sz="1000" u="sng" dirty="0" err="1" smtClean="0"/>
-              <a:t>waveheight</a:t>
-            </a:r>
-            <a:r>
-              <a:rPr lang="en-US" sz="1000" u="sng" dirty="0" smtClean="0"/>
-              <a:t> ?</a:t>
-            </a:r>
-            <a:r>
-              <a:rPr lang="en-US" sz="1000" u="sng" dirty="0" err="1" smtClean="0"/>
-              <a:t>wavets</a:t>
-            </a:r>
-            <a:r>
-              <a:rPr lang="en-US" sz="1000" u="sng" dirty="0" smtClean="0"/>
-              <a:t>  ?lat ?</a:t>
-            </a:r>
-            <a:r>
-              <a:rPr lang="en-US" sz="1000" u="sng" dirty="0" err="1" smtClean="0"/>
-              <a:t>lon</a:t>
-            </a:r>
-            <a:r>
-              <a:rPr lang="en-US" sz="1000" u="sng" dirty="0" smtClean="0"/>
-              <a:t> </a:t>
-            </a:r>
-          </a:p>
-          <a:p>
-            <a:r>
-              <a:rPr lang="en-GB" sz="1000" dirty="0" smtClean="0"/>
-              <a:t>FROM STREAM &lt;http://www.semsorgrid4env/ccometeo.srdf&gt;   </a:t>
-            </a:r>
-          </a:p>
-          <a:p>
-            <a:r>
-              <a:rPr lang="en-GB" sz="1000" dirty="0" smtClean="0"/>
-              <a:t>WHERE </a:t>
-            </a:r>
-          </a:p>
-          <a:p>
-            <a:r>
-              <a:rPr lang="en-GB" sz="1000" dirty="0" smtClean="0"/>
-              <a:t>{ </a:t>
-            </a:r>
-          </a:p>
-          <a:p>
-            <a:r>
-              <a:rPr lang="en-GB" sz="1000" dirty="0" smtClean="0"/>
-              <a:t> ?</a:t>
-            </a:r>
-            <a:r>
-              <a:rPr lang="en-GB" sz="1000" dirty="0" err="1" smtClean="0"/>
-              <a:t>WaveObs</a:t>
-            </a:r>
-            <a:r>
-              <a:rPr lang="en-GB" sz="1000" dirty="0" smtClean="0"/>
-              <a:t> a cd:Observation; </a:t>
-            </a:r>
-          </a:p>
-          <a:p>
-            <a:r>
-              <a:rPr lang="en-GB" sz="1000" dirty="0" smtClean="0"/>
-              <a:t>    </a:t>
-            </a:r>
-            <a:r>
-              <a:rPr lang="en-GB" sz="1000" dirty="0" err="1" smtClean="0"/>
-              <a:t>cd:observationResult</a:t>
-            </a:r>
-            <a:r>
-              <a:rPr lang="en-GB" sz="1000" dirty="0" smtClean="0"/>
-              <a:t> ?</a:t>
-            </a:r>
-            <a:r>
-              <a:rPr lang="en-GB" sz="1000" u="sng" dirty="0" err="1" smtClean="0"/>
-              <a:t>waveheight</a:t>
-            </a:r>
-            <a:r>
-              <a:rPr lang="en-GB" sz="1000" u="sng" dirty="0" smtClean="0"/>
-              <a:t>; </a:t>
-            </a:r>
-          </a:p>
-          <a:p>
-            <a:r>
-              <a:rPr lang="en-GB" sz="1000" dirty="0" smtClean="0"/>
-              <a:t>    </a:t>
-            </a:r>
-            <a:r>
-              <a:rPr lang="en-GB" sz="1000" dirty="0" err="1" smtClean="0"/>
-              <a:t>cd:observationResultTime</a:t>
-            </a:r>
-            <a:r>
-              <a:rPr lang="en-GB" sz="1000" dirty="0" smtClean="0"/>
-              <a:t> ?</a:t>
-            </a:r>
-            <a:r>
-              <a:rPr lang="en-GB" sz="1000" u="sng" dirty="0" err="1" smtClean="0"/>
-              <a:t>wavets</a:t>
-            </a:r>
-            <a:r>
-              <a:rPr lang="en-GB" sz="1000" u="sng" dirty="0" smtClean="0"/>
-              <a:t>;</a:t>
-            </a:r>
-          </a:p>
-          <a:p>
-            <a:r>
-              <a:rPr lang="en-GB" sz="1000" dirty="0" smtClean="0"/>
-              <a:t>    </a:t>
-            </a:r>
-            <a:r>
-              <a:rPr lang="en-GB" sz="1000" dirty="0" err="1" smtClean="0"/>
-              <a:t>cd:observationResultLatitude</a:t>
-            </a:r>
-            <a:r>
-              <a:rPr lang="en-GB" sz="1000" dirty="0" smtClean="0"/>
-              <a:t> ?</a:t>
-            </a:r>
-            <a:r>
-              <a:rPr lang="en-GB" sz="1000" u="sng" dirty="0" smtClean="0"/>
-              <a:t>lat;</a:t>
-            </a:r>
-          </a:p>
-          <a:p>
-            <a:r>
-              <a:rPr lang="en-GB" sz="1000" dirty="0" smtClean="0"/>
-              <a:t>    </a:t>
-            </a:r>
-            <a:r>
-              <a:rPr lang="en-GB" sz="1000" dirty="0" err="1" smtClean="0"/>
-              <a:t>cd:observationResultLongitude</a:t>
-            </a:r>
-            <a:r>
-              <a:rPr lang="en-GB" sz="1000" dirty="0" smtClean="0"/>
-              <a:t> ?</a:t>
-            </a:r>
-            <a:r>
-              <a:rPr lang="en-GB" sz="1000" u="sng" dirty="0" err="1" smtClean="0"/>
-              <a:t>lon</a:t>
-            </a:r>
-            <a:r>
-              <a:rPr lang="en-GB" sz="1000" u="sng" dirty="0" smtClean="0"/>
-              <a:t>;</a:t>
-            </a:r>
-          </a:p>
-          <a:p>
-            <a:r>
-              <a:rPr lang="en-GB" sz="1000" dirty="0" smtClean="0"/>
-              <a:t>    </a:t>
-            </a:r>
-            <a:r>
-              <a:rPr lang="en-GB" sz="1000" dirty="0" err="1" smtClean="0"/>
-              <a:t>cd:observedProperty</a:t>
-            </a:r>
-            <a:r>
-              <a:rPr lang="en-GB" sz="1000" dirty="0" smtClean="0"/>
-              <a:t> ?</a:t>
-            </a:r>
-            <a:r>
-              <a:rPr lang="en-GB" sz="1000" dirty="0" err="1" smtClean="0"/>
-              <a:t>waveProperty</a:t>
-            </a:r>
-            <a:r>
-              <a:rPr lang="en-GB" sz="1000" dirty="0" smtClean="0"/>
-              <a:t>;</a:t>
-            </a:r>
-          </a:p>
-          <a:p>
-            <a:r>
-              <a:rPr lang="en-GB" sz="1000" dirty="0" smtClean="0"/>
-              <a:t>    </a:t>
-            </a:r>
-            <a:r>
-              <a:rPr lang="en-GB" sz="1000" dirty="0" err="1" smtClean="0"/>
-              <a:t>cd:featureOfInterest</a:t>
-            </a:r>
-            <a:r>
-              <a:rPr lang="en-GB" sz="1000" dirty="0" smtClean="0"/>
-              <a:t> ?</a:t>
-            </a:r>
-            <a:r>
-              <a:rPr lang="en-GB" sz="1000" dirty="0" err="1" smtClean="0"/>
-              <a:t>waveFeature</a:t>
-            </a:r>
-            <a:r>
-              <a:rPr lang="en-GB" sz="1000" dirty="0" smtClean="0"/>
-              <a:t>.   </a:t>
-            </a:r>
-          </a:p>
-          <a:p>
-            <a:r>
-              <a:rPr lang="en-GB" sz="1000" dirty="0" smtClean="0"/>
-              <a:t> ?</a:t>
-            </a:r>
-            <a:r>
-              <a:rPr lang="en-GB" sz="1000" dirty="0" err="1" smtClean="0"/>
-              <a:t>waveFeature</a:t>
-            </a:r>
-            <a:r>
-              <a:rPr lang="en-GB" sz="1000" dirty="0" smtClean="0"/>
-              <a:t> a </a:t>
-            </a:r>
-            <a:r>
-              <a:rPr lang="en-GB" sz="1000" dirty="0" err="1" smtClean="0"/>
-              <a:t>cd:Feature</a:t>
-            </a:r>
-            <a:r>
-              <a:rPr lang="en-GB" sz="1000" dirty="0" smtClean="0"/>
-              <a:t>;</a:t>
-            </a:r>
-          </a:p>
-          <a:p>
-            <a:r>
-              <a:rPr lang="en-GB" sz="1000" dirty="0" smtClean="0"/>
-              <a:t>    </a:t>
-            </a:r>
-            <a:r>
-              <a:rPr lang="en-GB" sz="1000" dirty="0" err="1" smtClean="0"/>
-              <a:t>cd:locatedInRegion</a:t>
-            </a:r>
-            <a:r>
-              <a:rPr lang="en-GB" sz="1000" dirty="0" smtClean="0"/>
-              <a:t> </a:t>
-            </a:r>
-            <a:r>
-              <a:rPr lang="en-GB" sz="1000" dirty="0" err="1" smtClean="0"/>
-              <a:t>cd:SouthEastEnglandCCO</a:t>
-            </a:r>
-            <a:r>
-              <a:rPr lang="en-GB" sz="1000" dirty="0" smtClean="0"/>
-              <a:t>.</a:t>
-            </a:r>
-          </a:p>
-          <a:p>
-            <a:r>
-              <a:rPr lang="en-GB" sz="1000" dirty="0" smtClean="0"/>
-              <a:t> ?</a:t>
-            </a:r>
-            <a:r>
-              <a:rPr lang="en-GB" sz="1000" dirty="0" err="1" smtClean="0"/>
-              <a:t>waveProperty</a:t>
-            </a:r>
-            <a:r>
-              <a:rPr lang="en-GB" sz="1000" dirty="0" smtClean="0"/>
-              <a:t> a </a:t>
-            </a:r>
-            <a:r>
-              <a:rPr lang="en-GB" sz="1000" dirty="0" err="1" smtClean="0"/>
-              <a:t>cd:WaveHeight</a:t>
-            </a:r>
-            <a:r>
-              <a:rPr lang="en-GB" sz="1000" dirty="0" smtClean="0"/>
-              <a:t>. </a:t>
-            </a:r>
-          </a:p>
-          <a:p>
-            <a:r>
-              <a:rPr lang="en-GB" sz="1000" dirty="0" smtClean="0"/>
-              <a:t> }</a:t>
+              <a:t>“provide me with the wind speed observations over the last minute in the Solent Region ” </a:t>
             </a:r>
           </a:p>
         </p:txBody>
@@ -6630,11 +6266,7 @@
             <a:pPr algn="ctr"/>
             <a:r>
               <a:rPr lang="en-GB" sz="1000" dirty="0" smtClean="0"/>
-              <a:t>cd:</a:t>
-            </a:r>
-            <a:r>
-              <a:rPr lang="en-GB" sz="1000" dirty="0" smtClean="0"/>
-              <a:t>Observation</a:t>
+              <a:t>cd:Observation</a:t>
             </a:r>
             <a:endParaRPr lang="en-GB" sz="1000" dirty="0"/>
           </a:p>
@@ -6716,11 +6348,7 @@
             <a:pPr algn="ctr"/>
             <a:r>
               <a:rPr lang="en-GB" sz="1000" dirty="0" smtClean="0"/>
-              <a:t>x</a:t>
-            </a:r>
-            <a:r>
-              <a:rPr lang="en-GB" sz="1000" dirty="0" smtClean="0"/>
-              <a:t>sd:double</a:t>
+              <a:t>xsd:double</a:t>
             </a:r>
             <a:endParaRPr lang="en-GB" sz="1000" dirty="0"/>
           </a:p>
@@ -6758,57 +6386,6 @@
       </p:cxnSp>
       <p:sp>
         <p:nvSpPr>
-          <p:cNvPr id="16" name="15 Elipse"/>
-          <p:cNvSpPr/>
-          <p:nvPr/>
-        </p:nvSpPr>
-        <p:spPr>
-          <a:xfrm>
-            <a:off x="6643702" y="2928934"/>
-            <a:ext cx="642942" cy="214314"/>
-          </a:xfrm>
-          <a:prstGeom prst="ellipse">
-            <a:avLst/>
-          </a:prstGeom>
-          <a:solidFill>
-            <a:schemeClr val="accent4">
-              <a:lumMod val="20000"/>
-              <a:lumOff val="80000"/>
-            </a:schemeClr>
-          </a:solidFill>
-          <a:ln w="12700">
-            <a:solidFill>
-              <a:schemeClr val="tx1"/>
-            </a:solidFill>
-          </a:ln>
-        </p:spPr>
-        <p:style>
-          <a:lnRef idx="2">
-            <a:schemeClr val="accent1">
-              <a:shade val="50000"/>
-            </a:schemeClr>
-          </a:lnRef>
-          <a:fillRef idx="1">
-            <a:schemeClr val="accent1"/>
-          </a:fillRef>
-          <a:effectRef idx="0">
-            <a:schemeClr val="accent1"/>
-          </a:effectRef>
-          <a:fontRef idx="minor">
-            <a:schemeClr val="lt1"/>
-          </a:fontRef>
-        </p:style>
-        <p:txBody>
-          <a:bodyPr rtlCol="0" anchor="ctr"/>
-          <a:lstStyle/>
-          <a:p>
-            <a:pPr algn="ctr"/>
-            <a:endParaRPr lang="en-GB"/>
-          </a:p>
-        </p:txBody>
-      </p:sp>
-      <p:sp>
-        <p:nvSpPr>
           <p:cNvPr id="17" name="16 CuadroTexto"/>
           <p:cNvSpPr txBox="1"/>
           <p:nvPr/>
@@ -6832,324 +6409,9 @@
             <a:pPr algn="ctr"/>
             <a:r>
               <a:rPr lang="en-GB" sz="1000" dirty="0" err="1" smtClean="0"/>
-              <a:t>c</a:t>
-            </a:r>
-            <a:r>
-              <a:rPr lang="en-GB" sz="1000" dirty="0" err="1" smtClean="0"/>
-              <a:t>d:o</a:t>
-            </a:r>
-            <a:r>
-              <a:rPr lang="en-GB" sz="1000" dirty="0" err="1" smtClean="0"/>
-              <a:t>bservationResult</a:t>
+              <a:t>cd:observationResult</a:t>
             </a:r>
             <a:endParaRPr lang="en-GB" sz="1000" dirty="0"/>
-          </a:p>
-        </p:txBody>
-      </p:sp>
-      <p:sp>
-        <p:nvSpPr>
-          <p:cNvPr id="18" name="17 CuadroTexto"/>
-          <p:cNvSpPr txBox="1"/>
-          <p:nvPr/>
-        </p:nvSpPr>
-        <p:spPr>
-          <a:xfrm>
-            <a:off x="6572264" y="2928934"/>
-            <a:ext cx="814646" cy="215444"/>
-          </a:xfrm>
-          <a:prstGeom prst="rect">
-            <a:avLst/>
-          </a:prstGeom>
-          <a:noFill/>
-        </p:spPr>
-        <p:txBody>
-          <a:bodyPr wrap="square" rtlCol="0">
-            <a:spAutoFit/>
-          </a:bodyPr>
-          <a:lstStyle/>
-          <a:p>
-            <a:pPr algn="ctr"/>
-            <a:r>
-              <a:rPr lang="en-GB" sz="800" dirty="0" smtClean="0"/>
-              <a:t>xsd:float</a:t>
-            </a:r>
-            <a:endParaRPr lang="en-GB" sz="800" dirty="0"/>
-          </a:p>
-        </p:txBody>
-      </p:sp>
-      <p:cxnSp>
-        <p:nvCxnSpPr>
-          <p:cNvPr id="19" name="18 Conector recto de flecha"/>
-          <p:cNvCxnSpPr/>
-          <p:nvPr/>
-        </p:nvCxnSpPr>
-        <p:spPr bwMode="auto">
-          <a:xfrm rot="16200000" flipH="1">
-            <a:off x="6643702" y="2714620"/>
-            <a:ext cx="285752" cy="142876"/>
-          </a:xfrm>
-          <a:prstGeom prst="straightConnector1">
-            <a:avLst/>
-          </a:prstGeom>
-          <a:noFill/>
-          <a:ln w="9525" cap="flat" cmpd="sng" algn="ctr">
-            <a:solidFill>
-              <a:schemeClr val="tx1"/>
-            </a:solidFill>
-            <a:prstDash val="dash"/>
-            <a:round/>
-            <a:headEnd type="none" w="med" len="med"/>
-            <a:tailEnd type="arrow"/>
-          </a:ln>
-          <a:effectLst/>
-        </p:spPr>
-      </p:cxnSp>
-      <p:sp>
-        <p:nvSpPr>
-          <p:cNvPr id="20" name="19 CuadroTexto"/>
-          <p:cNvSpPr txBox="1"/>
-          <p:nvPr/>
-        </p:nvSpPr>
-        <p:spPr>
-          <a:xfrm>
-            <a:off x="7441490" y="2343180"/>
-            <a:ext cx="658902" cy="338554"/>
-          </a:xfrm>
-          <a:prstGeom prst="rect">
-            <a:avLst/>
-          </a:prstGeom>
-          <a:noFill/>
-        </p:spPr>
-        <p:txBody>
-          <a:bodyPr wrap="square" rtlCol="0">
-            <a:spAutoFit/>
-          </a:bodyPr>
-          <a:lstStyle/>
-          <a:p>
-            <a:pPr algn="ctr"/>
-            <a:r>
-              <a:rPr lang="en-GB" sz="800" dirty="0" err="1" smtClean="0"/>
-              <a:t>locatedInRegion</a:t>
-            </a:r>
-            <a:endParaRPr lang="en-GB" sz="800" dirty="0"/>
-          </a:p>
-        </p:txBody>
-      </p:sp>
-      <p:cxnSp>
-        <p:nvCxnSpPr>
-          <p:cNvPr id="21" name="20 Conector recto de flecha"/>
-          <p:cNvCxnSpPr/>
-          <p:nvPr/>
-        </p:nvCxnSpPr>
-        <p:spPr bwMode="auto">
-          <a:xfrm flipV="1">
-            <a:off x="7715272" y="1714488"/>
-            <a:ext cx="571502" cy="71440"/>
-          </a:xfrm>
-          <a:prstGeom prst="straightConnector1">
-            <a:avLst/>
-          </a:prstGeom>
-          <a:noFill/>
-          <a:ln w="9525" cap="flat" cmpd="sng" algn="ctr">
-            <a:solidFill>
-              <a:schemeClr val="tx1"/>
-            </a:solidFill>
-            <a:prstDash val="solid"/>
-            <a:round/>
-            <a:headEnd type="none" w="med" len="med"/>
-            <a:tailEnd type="arrow"/>
-          </a:ln>
-          <a:effectLst/>
-        </p:spPr>
-      </p:cxnSp>
-      <p:sp>
-        <p:nvSpPr>
-          <p:cNvPr id="22" name="21 Elipse"/>
-          <p:cNvSpPr/>
-          <p:nvPr/>
-        </p:nvSpPr>
-        <p:spPr>
-          <a:xfrm>
-            <a:off x="7081450" y="2127156"/>
-            <a:ext cx="642942" cy="214314"/>
-          </a:xfrm>
-          <a:prstGeom prst="ellipse">
-            <a:avLst/>
-          </a:prstGeom>
-          <a:solidFill>
-            <a:schemeClr val="accent4">
-              <a:lumMod val="20000"/>
-              <a:lumOff val="80000"/>
-            </a:schemeClr>
-          </a:solidFill>
-          <a:ln w="12700">
-            <a:solidFill>
-              <a:schemeClr val="tx1"/>
-            </a:solidFill>
-          </a:ln>
-        </p:spPr>
-        <p:style>
-          <a:lnRef idx="2">
-            <a:schemeClr val="accent1">
-              <a:shade val="50000"/>
-            </a:schemeClr>
-          </a:lnRef>
-          <a:fillRef idx="1">
-            <a:schemeClr val="accent1"/>
-          </a:fillRef>
-          <a:effectRef idx="0">
-            <a:schemeClr val="accent1"/>
-          </a:effectRef>
-          <a:fontRef idx="minor">
-            <a:schemeClr val="lt1"/>
-          </a:fontRef>
-        </p:style>
-        <p:txBody>
-          <a:bodyPr rtlCol="0" anchor="ctr"/>
-          <a:lstStyle/>
-          <a:p>
-            <a:pPr algn="ctr"/>
-            <a:endParaRPr lang="en-GB"/>
-          </a:p>
-        </p:txBody>
-      </p:sp>
-      <p:cxnSp>
-        <p:nvCxnSpPr>
-          <p:cNvPr id="23" name="22 Conector recto de flecha"/>
-          <p:cNvCxnSpPr/>
-          <p:nvPr/>
-        </p:nvCxnSpPr>
-        <p:spPr bwMode="auto">
-          <a:xfrm rot="16200000" flipH="1">
-            <a:off x="7286644" y="2500306"/>
-            <a:ext cx="500066" cy="214314"/>
-          </a:xfrm>
-          <a:prstGeom prst="straightConnector1">
-            <a:avLst/>
-          </a:prstGeom>
-          <a:noFill/>
-          <a:ln w="9525" cap="flat" cmpd="sng" algn="ctr">
-            <a:solidFill>
-              <a:schemeClr val="tx1"/>
-            </a:solidFill>
-            <a:prstDash val="solid"/>
-            <a:round/>
-            <a:headEnd type="none" w="med" len="med"/>
-            <a:tailEnd type="arrow"/>
-          </a:ln>
-          <a:effectLst/>
-        </p:spPr>
-      </p:cxnSp>
-      <p:sp>
-        <p:nvSpPr>
-          <p:cNvPr id="24" name="23 Elipse"/>
-          <p:cNvSpPr/>
-          <p:nvPr/>
-        </p:nvSpPr>
-        <p:spPr>
-          <a:xfrm>
-            <a:off x="7429520" y="2857496"/>
-            <a:ext cx="642942" cy="214314"/>
-          </a:xfrm>
-          <a:prstGeom prst="ellipse">
-            <a:avLst/>
-          </a:prstGeom>
-          <a:solidFill>
-            <a:schemeClr val="accent4">
-              <a:lumMod val="20000"/>
-              <a:lumOff val="80000"/>
-            </a:schemeClr>
-          </a:solidFill>
-          <a:ln w="12700">
-            <a:solidFill>
-              <a:schemeClr val="tx1"/>
-            </a:solidFill>
-          </a:ln>
-        </p:spPr>
-        <p:style>
-          <a:lnRef idx="2">
-            <a:schemeClr val="accent1">
-              <a:shade val="50000"/>
-            </a:schemeClr>
-          </a:lnRef>
-          <a:fillRef idx="1">
-            <a:schemeClr val="accent1"/>
-          </a:fillRef>
-          <a:effectRef idx="0">
-            <a:schemeClr val="accent1"/>
-          </a:effectRef>
-          <a:fontRef idx="minor">
-            <a:schemeClr val="lt1"/>
-          </a:fontRef>
-        </p:style>
-        <p:txBody>
-          <a:bodyPr rtlCol="0" anchor="ctr"/>
-          <a:lstStyle/>
-          <a:p>
-            <a:pPr algn="ctr"/>
-            <a:endParaRPr lang="en-GB"/>
-          </a:p>
-        </p:txBody>
-      </p:sp>
-      <p:sp>
-        <p:nvSpPr>
-          <p:cNvPr id="25" name="25 CuadroTexto"/>
-          <p:cNvSpPr txBox="1"/>
-          <p:nvPr/>
-        </p:nvSpPr>
-        <p:spPr>
-          <a:xfrm>
-            <a:off x="7441490" y="2847236"/>
-            <a:ext cx="658902" cy="215444"/>
-          </a:xfrm>
-          <a:prstGeom prst="rect">
-            <a:avLst/>
-          </a:prstGeom>
-          <a:noFill/>
-        </p:spPr>
-        <p:txBody>
-          <a:bodyPr wrap="square" rtlCol="0">
-            <a:spAutoFit/>
-          </a:bodyPr>
-          <a:lstStyle/>
-          <a:p>
-            <a:pPr algn="ctr"/>
-            <a:r>
-              <a:rPr lang="en-GB" sz="800" dirty="0" smtClean="0"/>
-              <a:t>Region</a:t>
-            </a:r>
-            <a:endParaRPr lang="en-GB" sz="800" dirty="0"/>
-          </a:p>
-        </p:txBody>
-      </p:sp>
-      <p:sp>
-        <p:nvSpPr>
-          <p:cNvPr id="26" name="25 CuadroTexto"/>
-          <p:cNvSpPr txBox="1"/>
-          <p:nvPr/>
-        </p:nvSpPr>
-        <p:spPr>
-          <a:xfrm>
-            <a:off x="7000892" y="2143116"/>
-            <a:ext cx="857256" cy="215444"/>
-          </a:xfrm>
-          <a:prstGeom prst="rect">
-            <a:avLst/>
-          </a:prstGeom>
-          <a:noFill/>
-        </p:spPr>
-        <p:txBody>
-          <a:bodyPr wrap="square" rtlCol="0">
-            <a:spAutoFit/>
-          </a:bodyPr>
-          <a:lstStyle/>
-          <a:p>
-            <a:pPr algn="ctr"/>
-            <a:r>
-              <a:rPr lang="en-GB" sz="800" dirty="0" smtClean="0"/>
-              <a:t>Feature</a:t>
-            </a:r>
-            <a:endParaRPr lang="en-GB" sz="800" dirty="0"/>
           </a:p>
         </p:txBody>
       </p:sp>
@@ -7275,14 +6537,7 @@
                 <a:latin typeface="Arial" pitchFamily="34" charset="0"/>
                 <a:cs typeface="Arial" pitchFamily="34" charset="0"/>
               </a:rPr>
-              <a:t>( </a:t>
-            </a:r>
-            <a:r>
-              <a:rPr lang="en-GB" sz="1400" dirty="0" smtClean="0">
-                <a:latin typeface="Arial" pitchFamily="34" charset="0"/>
-                <a:cs typeface="Arial" pitchFamily="34" charset="0"/>
-              </a:rPr>
-              <a:t>&lt;ssg4e:Obs1,cd:observationResult,”34.5”&gt;,   </a:t>
+              <a:t>( &lt;ssg4e:Obs1,cd:observationResult,”34.5”&gt;,   </a:t>
             </a:r>
             <a:r>
               <a:rPr lang="en-GB" sz="1400" dirty="0" smtClean="0">
@@ -7311,10 +6566,6 @@
               </a:rPr>
               <a:t>  ),</a:t>
             </a:r>
-            <a:endParaRPr lang="en-GB" sz="1400" dirty="0" smtClean="0">
-              <a:latin typeface="Arial" pitchFamily="34" charset="0"/>
-              <a:cs typeface="Arial" pitchFamily="34" charset="0"/>
-            </a:endParaRPr>
           </a:p>
           <a:p>
             <a:r>
@@ -7322,28 +6573,7 @@
                 <a:latin typeface="Arial" pitchFamily="34" charset="0"/>
                 <a:cs typeface="Arial" pitchFamily="34" charset="0"/>
               </a:rPr>
-              <a:t>( </a:t>
-            </a:r>
-            <a:r>
-              <a:rPr lang="en-GB" sz="1400" dirty="0" smtClean="0">
-                <a:latin typeface="Arial" pitchFamily="34" charset="0"/>
-                <a:cs typeface="Arial" pitchFamily="34" charset="0"/>
-              </a:rPr>
-              <a:t>&lt;ssg4e:Obs2,rdf:type</a:t>
-            </a:r>
-            <a:r>
-              <a:rPr lang="en-GB" sz="1400" dirty="0" smtClean="0">
-                <a:latin typeface="Arial" pitchFamily="34" charset="0"/>
-                <a:cs typeface="Arial" pitchFamily="34" charset="0"/>
-              </a:rPr>
-              <a:t>, cd:Observation</a:t>
-            </a:r>
-            <a:r>
-              <a:rPr lang="en-GB" sz="1400" dirty="0" smtClean="0">
-                <a:latin typeface="Arial" pitchFamily="34" charset="0"/>
-                <a:cs typeface="Arial" pitchFamily="34" charset="0"/>
-              </a:rPr>
-              <a:t>&gt;, </a:t>
+              <a:t>( &lt;ssg4e:Obs2,rdf:type, cd:Observation&gt;, </a:t>
             </a:r>
             <a:r>
               <a:rPr lang="en-GB" sz="1400" dirty="0" smtClean="0">
@@ -7389,14 +6619,7 @@
                 <a:latin typeface="Arial" pitchFamily="34" charset="0"/>
                 <a:cs typeface="Arial" pitchFamily="34" charset="0"/>
               </a:rPr>
-              <a:t>( &lt;</a:t>
-            </a:r>
-            <a:r>
-              <a:rPr lang="en-GB" sz="1400" dirty="0" smtClean="0">
-                <a:latin typeface="Arial" pitchFamily="34" charset="0"/>
-                <a:cs typeface="Arial" pitchFamily="34" charset="0"/>
-              </a:rPr>
-              <a:t>ssg4e:Obs2,cd:observationResult,”20.3”&gt;,   </a:t>
+              <a:t>( &lt;ssg4e:Obs2,cd:observationResult,”20.3”&gt;,   </a:t>
             </a:r>
             <a:r>
               <a:rPr lang="en-GB" sz="1400" dirty="0" smtClean="0">
@@ -7425,10 +6648,6 @@
               </a:rPr>
               <a:t>  ),</a:t>
             </a:r>
-            <a:endParaRPr lang="en-GB" sz="1400" dirty="0" smtClean="0">
-              <a:latin typeface="Arial" pitchFamily="34" charset="0"/>
-              <a:cs typeface="Arial" pitchFamily="34" charset="0"/>
-            </a:endParaRPr>
           </a:p>
           <a:p>
             <a:r>
@@ -7447,10 +6666,6 @@
               </a:rPr>
               <a:t>...</a:t>
             </a:r>
-            <a:endParaRPr lang="en-GB" sz="1400" dirty="0" smtClean="0">
-              <a:latin typeface="Arial" pitchFamily="34" charset="0"/>
-              <a:cs typeface="Arial" pitchFamily="34" charset="0"/>
-            </a:endParaRPr>
           </a:p>
         </p:txBody>
       </p:sp>
@@ -7482,11 +6697,7 @@
             </a:r>
             <a:r>
               <a:rPr lang="en-GB" sz="1400" i="1" dirty="0" smtClean="0"/>
-              <a:t>http://</a:t>
-            </a:r>
-            <a:r>
-              <a:rPr lang="en-GB" sz="1400" i="1" dirty="0" smtClean="0"/>
-              <a:t>www.semsorgrid4env.eu/ccometeo.srdf</a:t>
+              <a:t>http://www.semsorgrid4env.eu/ccometeo.srdf</a:t>
             </a:r>
             <a:r>
               <a:rPr lang="en-GB" sz="1400" dirty="0" smtClean="0"/>
@@ -7646,21 +6857,8 @@
             </a:pPr>
             <a:r>
               <a:rPr lang="en-GB" dirty="0" smtClean="0"/>
-              <a:t>“provide me with the wind speed observations </a:t>
-            </a:r>
-            <a:r>
-              <a:rPr lang="en-GB" dirty="0" smtClean="0"/>
-              <a:t>over </a:t>
-            </a:r>
-            <a:r>
-              <a:rPr lang="en-GB" dirty="0" smtClean="0"/>
-              <a:t>the last </a:t>
-            </a:r>
-            <a:r>
-              <a:rPr lang="en-GB" dirty="0" smtClean="0"/>
-              <a:t>minute in the Solent Region ” </a:t>
-            </a:r>
-            <a:endParaRPr lang="en-GB" dirty="0" smtClean="0"/>
+              <a:t>“provide me with the wind speed observations over the last minute in the Solent Region ” </a:t>
+            </a:r>
           </a:p>
         </p:txBody>
       </p:sp>
@@ -7672,7 +6870,7 @@
         </p:nvSpPr>
         <p:spPr>
           <a:xfrm>
-            <a:off x="928662" y="2500306"/>
+            <a:off x="1214414" y="2285992"/>
             <a:ext cx="1214446" cy="500066"/>
           </a:xfrm>
           <a:prstGeom prst="ellipse">
@@ -7723,7 +6921,7 @@
         </p:nvSpPr>
         <p:spPr>
           <a:xfrm>
-            <a:off x="1000100" y="2643182"/>
+            <a:off x="1285852" y="2428868"/>
             <a:ext cx="1143008" cy="246221"/>
           </a:xfrm>
           <a:prstGeom prst="rect">
@@ -7740,11 +6938,7 @@
             <a:pPr algn="ctr"/>
             <a:r>
               <a:rPr lang="en-GB" sz="1000" dirty="0" smtClean="0"/>
-              <a:t>cd:</a:t>
-            </a:r>
-            <a:r>
-              <a:rPr lang="en-GB" sz="1000" dirty="0" smtClean="0"/>
-              <a:t>Observation</a:t>
+              <a:t>cd:Observation</a:t>
             </a:r>
             <a:endParaRPr lang="en-GB" sz="1000" dirty="0"/>
           </a:p>
@@ -7758,7 +6952,7 @@
         </p:nvSpPr>
         <p:spPr>
           <a:xfrm>
-            <a:off x="142844" y="3571876"/>
+            <a:off x="428596" y="3357562"/>
             <a:ext cx="1150418" cy="357190"/>
           </a:xfrm>
           <a:prstGeom prst="ellipse">
@@ -7809,7 +7003,7 @@
         </p:nvSpPr>
         <p:spPr>
           <a:xfrm>
-            <a:off x="214282" y="3643314"/>
+            <a:off x="500034" y="3429000"/>
             <a:ext cx="1000100" cy="246221"/>
           </a:xfrm>
           <a:prstGeom prst="rect">
@@ -7826,11 +7020,7 @@
             <a:pPr algn="ctr"/>
             <a:r>
               <a:rPr lang="en-GB" sz="1000" dirty="0" smtClean="0"/>
-              <a:t>x</a:t>
-            </a:r>
-            <a:r>
-              <a:rPr lang="en-GB" sz="1000" dirty="0" smtClean="0"/>
-              <a:t>sd:double</a:t>
+              <a:t>xsd:double</a:t>
             </a:r>
             <a:endParaRPr lang="en-GB" sz="1000" dirty="0"/>
           </a:p>
@@ -7847,7 +7037,7 @@
         </p:nvCxnSpPr>
         <p:spPr bwMode="auto">
           <a:xfrm rot="5400000">
-            <a:off x="841217" y="2877208"/>
+            <a:off x="1126969" y="2662894"/>
             <a:ext cx="571504" cy="817832"/>
           </a:xfrm>
           <a:prstGeom prst="straightConnector1">
@@ -7874,7 +7064,7 @@
         </p:nvSpPr>
         <p:spPr>
           <a:xfrm>
-            <a:off x="0" y="3071810"/>
+            <a:off x="0" y="2857496"/>
             <a:ext cx="1571636" cy="246221"/>
           </a:xfrm>
           <a:prstGeom prst="rect">
@@ -7891,15 +7081,7 @@
             <a:pPr algn="ctr"/>
             <a:r>
               <a:rPr lang="en-GB" sz="1000" dirty="0" err="1" smtClean="0"/>
-              <a:t>c</a:t>
-            </a:r>
-            <a:r>
-              <a:rPr lang="en-GB" sz="1000" dirty="0" err="1" smtClean="0"/>
-              <a:t>d:o</a:t>
-            </a:r>
-            <a:r>
-              <a:rPr lang="en-GB" sz="1000" dirty="0" err="1" smtClean="0"/>
-              <a:t>bservationResult</a:t>
+              <a:t>cd:observationResult</a:t>
             </a:r>
             <a:endParaRPr lang="en-GB" sz="1000" dirty="0"/>
           </a:p>
@@ -8009,28 +7191,14 @@
             </a:r>
             <a:r>
               <a:rPr lang="en-GB" sz="1200" dirty="0" smtClean="0"/>
-              <a:t>&lt;http://</a:t>
-            </a:r>
-            <a:r>
-              <a:rPr lang="en-GB" sz="1200" dirty="0" smtClean="0"/>
-              <a:t>www.semsorgrid4env.eu/ccometeo.srdf</a:t>
-            </a:r>
-            <a:r>
-              <a:rPr lang="en-GB" sz="1200" dirty="0" smtClean="0"/>
-              <a:t>&gt; </a:t>
-            </a:r>
-            <a:endParaRPr lang="en-GB" sz="1200" dirty="0" smtClean="0"/>
+              <a:t>&lt;http://www.semsorgrid4env.eu/ccometeo.srdf&gt; </a:t>
+            </a:r>
           </a:p>
           <a:p>
             <a:r>
               <a:rPr lang="en-GB" sz="1200" b="1" dirty="0" smtClean="0"/>
-              <a:t>[ NOW – 1 MINUTE TO NOW – 0 MINUTES ]</a:t>
-            </a:r>
-            <a:r>
-              <a:rPr lang="en-GB" sz="1200" b="1" dirty="0" smtClean="0"/>
-              <a:t>  </a:t>
-            </a:r>
-            <a:endParaRPr lang="en-GB" sz="1200" b="1" dirty="0" smtClean="0"/>
+              <a:t>[ NOW – 1 MINUTE TO NOW – 0 MINUTES ]  </a:t>
+            </a:r>
           </a:p>
           <a:p>
             <a:r>
@@ -8268,7 +7436,7 @@
         </p:nvSpPr>
         <p:spPr>
           <a:xfrm>
-            <a:off x="571472" y="5143512"/>
+            <a:off x="857224" y="4429132"/>
             <a:ext cx="1214446" cy="500066"/>
           </a:xfrm>
           <a:prstGeom prst="ellipse">
@@ -8319,7 +7487,7 @@
         </p:nvSpPr>
         <p:spPr>
           <a:xfrm>
-            <a:off x="571472" y="5286388"/>
+            <a:off x="928662" y="4572008"/>
             <a:ext cx="1143008" cy="246221"/>
           </a:xfrm>
           <a:prstGeom prst="rect">
@@ -8347,13 +7515,14 @@
           <p:cNvPr id="15" name="14 Conector recto de flecha"/>
           <p:cNvCxnSpPr>
             <a:stCxn id="6" idx="4"/>
+            <a:endCxn id="13" idx="0"/>
           </p:cNvCxnSpPr>
           <p:nvPr/>
         </p:nvCxnSpPr>
         <p:spPr bwMode="auto">
           <a:xfrm rot="5400000">
-            <a:off x="267861" y="3875488"/>
-            <a:ext cx="2143140" cy="392909"/>
+            <a:off x="821505" y="3429000"/>
+            <a:ext cx="1643074" cy="357190"/>
           </a:xfrm>
           <a:prstGeom prst="straightConnector1">
             <a:avLst/>
@@ -8379,7 +7548,7 @@
         </p:nvSpPr>
         <p:spPr>
           <a:xfrm>
-            <a:off x="285720" y="4429132"/>
+            <a:off x="500034" y="3929066"/>
             <a:ext cx="1571636" cy="246221"/>
           </a:xfrm>
           <a:prstGeom prst="rect">
@@ -8410,7 +7579,7 @@
         </p:nvSpPr>
         <p:spPr>
           <a:xfrm>
-            <a:off x="1643042" y="3714752"/>
+            <a:off x="1928794" y="3500438"/>
             <a:ext cx="1214446" cy="500066"/>
           </a:xfrm>
           <a:prstGeom prst="ellipse">
@@ -8461,7 +7630,7 @@
         </p:nvSpPr>
         <p:spPr>
           <a:xfrm>
-            <a:off x="1714480" y="3857628"/>
+            <a:off x="2000232" y="3643314"/>
             <a:ext cx="1143008" cy="246221"/>
           </a:xfrm>
           <a:prstGeom prst="rect">
@@ -8492,7 +7661,7 @@
         </p:nvSpPr>
         <p:spPr>
           <a:xfrm>
-            <a:off x="1857356" y="3286124"/>
+            <a:off x="2143108" y="3071810"/>
             <a:ext cx="1571636" cy="246221"/>
           </a:xfrm>
           <a:prstGeom prst="rect">
@@ -8526,7 +7695,7 @@
         </p:nvCxnSpPr>
         <p:spPr bwMode="auto">
           <a:xfrm rot="16200000" flipH="1">
-            <a:off x="1535885" y="3000372"/>
+            <a:off x="1821637" y="2786058"/>
             <a:ext cx="714380" cy="714380"/>
           </a:xfrm>
           <a:prstGeom prst="straightConnector1">
@@ -8545,6 +7714,148 @@
           <a:effectLst/>
         </p:spPr>
       </p:cxnSp>
+      <p:sp>
+        <p:nvSpPr>
+          <p:cNvPr id="22" name="21 Elipse"/>
+          <p:cNvSpPr/>
+          <p:nvPr/>
+        </p:nvSpPr>
+        <p:spPr>
+          <a:xfrm>
+            <a:off x="1928794" y="5572140"/>
+            <a:ext cx="1214446" cy="500066"/>
+          </a:xfrm>
+          <a:prstGeom prst="ellipse">
+            <a:avLst/>
+          </a:prstGeom>
+          <a:solidFill>
+            <a:schemeClr val="accent4">
+              <a:lumMod val="20000"/>
+              <a:lumOff val="80000"/>
+            </a:schemeClr>
+          </a:solidFill>
+          <a:ln w="12700">
+            <a:solidFill>
+              <a:schemeClr val="tx1"/>
+            </a:solidFill>
+          </a:ln>
+        </p:spPr>
+        <p:style>
+          <a:lnRef idx="2">
+            <a:schemeClr val="accent1">
+              <a:shade val="50000"/>
+            </a:schemeClr>
+          </a:lnRef>
+          <a:fillRef idx="1">
+            <a:schemeClr val="accent1"/>
+          </a:fillRef>
+          <a:effectRef idx="0">
+            <a:schemeClr val="accent1"/>
+          </a:effectRef>
+          <a:fontRef idx="minor">
+            <a:schemeClr val="lt1"/>
+          </a:fontRef>
+        </p:style>
+        <p:txBody>
+          <a:bodyPr rtlCol="0" anchor="ctr"/>
+          <a:lstStyle/>
+          <a:p>
+            <a:pPr algn="ctr"/>
+            <a:endParaRPr lang="en-GB"/>
+          </a:p>
+        </p:txBody>
+      </p:sp>
+      <p:cxnSp>
+        <p:nvCxnSpPr>
+          <p:cNvPr id="23" name="22 Conector recto de flecha"/>
+          <p:cNvCxnSpPr>
+            <a:endCxn id="22" idx="1"/>
+          </p:cNvCxnSpPr>
+          <p:nvPr/>
+        </p:nvCxnSpPr>
+        <p:spPr bwMode="auto">
+          <a:xfrm rot="16200000" flipH="1">
+            <a:off x="1445319" y="4984045"/>
+            <a:ext cx="716175" cy="606480"/>
+          </a:xfrm>
+          <a:prstGeom prst="straightConnector1">
+            <a:avLst/>
+          </a:prstGeom>
+          <a:noFill/>
+          <a:ln w="9525" cap="flat" cmpd="sng" algn="ctr">
+            <a:solidFill>
+              <a:schemeClr val="tx1"/>
+            </a:solidFill>
+            <a:prstDash val="solid"/>
+            <a:round/>
+            <a:headEnd type="none" w="med" len="med"/>
+            <a:tailEnd type="arrow"/>
+          </a:ln>
+          <a:effectLst/>
+        </p:spPr>
+      </p:cxnSp>
+      <p:sp>
+        <p:nvSpPr>
+          <p:cNvPr id="25" name="24 CuadroTexto"/>
+          <p:cNvSpPr txBox="1"/>
+          <p:nvPr/>
+        </p:nvSpPr>
+        <p:spPr>
+          <a:xfrm>
+            <a:off x="1714480" y="5143512"/>
+            <a:ext cx="1571636" cy="246221"/>
+          </a:xfrm>
+          <a:prstGeom prst="rect">
+            <a:avLst/>
+          </a:prstGeom>
+          <a:noFill/>
+        </p:spPr>
+        <p:txBody>
+          <a:bodyPr wrap="square" rtlCol="0">
+            <a:spAutoFit/>
+          </a:bodyPr>
+          <a:lstStyle/>
+          <a:p>
+            <a:pPr algn="ctr"/>
+            <a:r>
+              <a:rPr lang="en-GB" sz="1000" dirty="0" err="1" smtClean="0"/>
+              <a:t>cd:locatedInRegion</a:t>
+            </a:r>
+            <a:endParaRPr lang="en-GB" sz="1000" dirty="0"/>
+          </a:p>
+        </p:txBody>
+      </p:sp>
+      <p:sp>
+        <p:nvSpPr>
+          <p:cNvPr id="26" name="25 CuadroTexto"/>
+          <p:cNvSpPr txBox="1"/>
+          <p:nvPr/>
+        </p:nvSpPr>
+        <p:spPr>
+          <a:xfrm>
+            <a:off x="2000232" y="5715016"/>
+            <a:ext cx="1143008" cy="246221"/>
+          </a:xfrm>
+          <a:prstGeom prst="rect">
+            <a:avLst/>
+          </a:prstGeom>
+          <a:noFill/>
+        </p:spPr>
+        <p:txBody>
+          <a:bodyPr wrap="square" rtlCol="0">
+            <a:spAutoFit/>
+          </a:bodyPr>
+          <a:lstStyle/>
+          <a:p>
+            <a:pPr algn="ctr"/>
+            <a:r>
+              <a:rPr lang="en-GB" sz="1000" dirty="0" err="1" smtClean="0"/>
+              <a:t>cd:Region</a:t>
+            </a:r>
+            <a:endParaRPr lang="en-GB" sz="1000" dirty="0"/>
+          </a:p>
+        </p:txBody>
+      </p:sp>
     </p:spTree>
   </p:cSld>
   <p:clrMapOvr>
@@ -8700,11 +8011,6 @@
               </a:rPr>
               <a:t>R2O extensions</a:t>
             </a:r>
-            <a:endParaRPr lang="en-GB" sz="2400" kern="0" dirty="0" smtClean="0">
-              <a:solidFill>
-                <a:srgbClr val="4D4D4D"/>
-              </a:solidFill>
-            </a:endParaRPr>
           </a:p>
           <a:p>
             <a:pPr marL="800100" lvl="1" indent="-342900" eaLnBrk="0" hangingPunct="0">
@@ -13125,24 +12431,7 @@
                 <a:ea typeface="+mj-ea"/>
                 <a:cs typeface="+mj-cs"/>
               </a:rPr>
-              <a:t> </a:t>
-            </a:r>
-            <a:r>
-              <a:rPr kumimoji="0" lang="en-US" sz="1400" b="1" i="0" u="none" strike="noStrike" kern="0" cap="none" spc="0" normalizeH="0" baseline="0" noProof="0" dirty="0" smtClean="0">
-                <a:ln>
-                  <a:noFill/>
-                </a:ln>
-                <a:solidFill>
-                  <a:schemeClr val="tx1"/>
-                </a:solidFill>
-                <a:effectLst/>
-                <a:uLnTx/>
-                <a:uFillTx/>
-                <a:latin typeface="+mj-lt"/>
-                <a:ea typeface="+mj-ea"/>
-                <a:cs typeface="+mj-cs"/>
-              </a:rPr>
-              <a:t>Streaming Data Sources</a:t>
+              <a:t> Streaming Data Sources</a:t>
             </a:r>
             <a:r>
               <a:rPr kumimoji="0" lang="es-ES" sz="1400" b="1" i="0" u="none" strike="noStrike" kern="0" cap="none" spc="0" normalizeH="0" baseline="0" noProof="0" dirty="0" smtClean="0">
@@ -15007,15 +14296,7 @@
             </a:pPr>
             <a:r>
               <a:rPr lang="en-GB" dirty="0" smtClean="0"/>
-              <a:t>“provide me with the wind speed observations average over the last </a:t>
-            </a:r>
-            <a:r>
-              <a:rPr lang="en-GB" dirty="0" smtClean="0"/>
-              <a:t>minute in the Solent region, </a:t>
-            </a:r>
-            <a:r>
-              <a:rPr lang="en-GB" dirty="0" smtClean="0"/>
-              <a:t>if it is higher than the average of the last 2 to 3 hours” </a:t>
+              <a:t>“provide me with the wind speed observations average over the last minute in the Solent region, if it is higher than the average of the last 2 to 3 hours” </a:t>
             </a:r>
           </a:p>
         </p:txBody>
@@ -18401,11 +17682,7 @@
           <a:p>
             <a:r>
               <a:rPr lang="en-GB" sz="1200" dirty="0" smtClean="0"/>
-              <a:t>t</a:t>
-            </a:r>
-            <a:r>
-              <a:rPr lang="en-GB" sz="1200" dirty="0" smtClean="0"/>
-              <a:t>+2</a:t>
+              <a:t>t+2</a:t>
             </a:r>
             <a:endParaRPr lang="en-GB" sz="1200" baseline="-25000" dirty="0"/>
           </a:p>
@@ -18435,11 +17712,7 @@
           <a:p>
             <a:r>
               <a:rPr lang="en-GB" sz="1200" dirty="0" smtClean="0"/>
-              <a:t>t</a:t>
-            </a:r>
-            <a:r>
-              <a:rPr lang="en-GB" sz="1200" dirty="0" smtClean="0"/>
-              <a:t>+3</a:t>
+              <a:t>t+3</a:t>
             </a:r>
             <a:endParaRPr lang="en-GB" sz="1200" baseline="-25000" dirty="0"/>
           </a:p>
@@ -18469,11 +17742,7 @@
           <a:p>
             <a:r>
               <a:rPr lang="en-GB" sz="1200" dirty="0" smtClean="0"/>
-              <a:t>t</a:t>
-            </a:r>
-            <a:r>
-              <a:rPr lang="en-GB" sz="1200" dirty="0" smtClean="0"/>
-              <a:t>+4</a:t>
+              <a:t>t+4</a:t>
             </a:r>
             <a:endParaRPr lang="en-GB" sz="1200" baseline="-25000" dirty="0"/>
           </a:p>
@@ -18503,11 +17772,7 @@
           <a:p>
             <a:r>
               <a:rPr lang="en-GB" sz="1200" dirty="0" smtClean="0"/>
-              <a:t>t</a:t>
-            </a:r>
-            <a:r>
-              <a:rPr lang="en-GB" sz="1200" dirty="0" smtClean="0"/>
-              <a:t>+5</a:t>
+              <a:t>t+5</a:t>
             </a:r>
             <a:endParaRPr lang="en-GB" sz="1200" baseline="-25000" dirty="0"/>
           </a:p>
@@ -18615,7 +17880,6 @@
               <a:rPr lang="en-GB" dirty="0" smtClean="0"/>
               <a:t>Transform infinite sequence of tuples to bounded bag</a:t>
             </a:r>
-            <a:endParaRPr lang="en-GB" dirty="0" smtClean="0"/>
           </a:p>
         </p:txBody>
       </p:sp>
@@ -19714,7 +18978,6 @@
               <a:rPr lang="en-GB" dirty="0" smtClean="0"/>
               <a:t>Acquisitional Streams</a:t>
             </a:r>
-            <a:endParaRPr lang="en-GB" dirty="0" smtClean="0"/>
           </a:p>
         </p:txBody>
       </p:sp>
@@ -20265,7 +19528,6 @@
               <a:rPr lang="fr-CH" sz="1200" dirty="0" smtClean="0"/>
               <a:t> </a:t>
             </a:r>
-            <a:endParaRPr lang="fr-CH" sz="1200" dirty="0" smtClean="0"/>
           </a:p>
           <a:p>
             <a:pPr algn="ctr"/>
@@ -22069,11 +21331,6 @@
               </a:rPr>
               <a:t>Mappings from relational streams to ontological concepts</a:t>
             </a:r>
-            <a:endParaRPr lang="en-GB" sz="2400" kern="0" dirty="0" smtClean="0">
-              <a:solidFill>
-                <a:srgbClr val="4D4D4D"/>
-              </a:solidFill>
-            </a:endParaRPr>
           </a:p>
           <a:p>
             <a:pPr marL="800100" lvl="1" indent="-342900" eaLnBrk="0" hangingPunct="0">
@@ -22159,11 +21416,6 @@
               </a:rPr>
               <a:t>Provide with a stream query language at ontological level</a:t>
             </a:r>
-            <a:endParaRPr lang="en-GB" sz="2400" kern="0" dirty="0" smtClean="0">
-              <a:solidFill>
-                <a:srgbClr val="4D4D4D"/>
-              </a:solidFill>
-            </a:endParaRPr>
           </a:p>
           <a:p>
             <a:pPr marL="800100" lvl="1" indent="-342900" eaLnBrk="0" hangingPunct="0">
